--- a/docs/Poboljšanje djelomično sastavljenog genoma dugim očitanjima.pptx
+++ b/docs/Poboljšanje djelomično sastavljenog genoma dugim očitanjima.pptx
@@ -6,15 +6,17 @@
   </p:sldMasterIdLst>
   <p:sldIdLst>
     <p:sldId id="257" r:id="rId2"/>
-    <p:sldId id="258" r:id="rId3"/>
-    <p:sldId id="259" r:id="rId4"/>
-    <p:sldId id="260" r:id="rId5"/>
-    <p:sldId id="261" r:id="rId6"/>
-    <p:sldId id="262" r:id="rId7"/>
-    <p:sldId id="263" r:id="rId8"/>
-    <p:sldId id="264" r:id="rId9"/>
-    <p:sldId id="265" r:id="rId10"/>
-    <p:sldId id="266" r:id="rId11"/>
+    <p:sldId id="267" r:id="rId3"/>
+    <p:sldId id="268" r:id="rId4"/>
+    <p:sldId id="258" r:id="rId5"/>
+    <p:sldId id="259" r:id="rId6"/>
+    <p:sldId id="260" r:id="rId7"/>
+    <p:sldId id="261" r:id="rId8"/>
+    <p:sldId id="262" r:id="rId9"/>
+    <p:sldId id="263" r:id="rId10"/>
+    <p:sldId id="264" r:id="rId11"/>
+    <p:sldId id="265" r:id="rId12"/>
+    <p:sldId id="266" r:id="rId13"/>
   </p:sldIdLst>
   <p:sldSz cx="12192000" cy="6858000"/>
   <p:notesSz cx="6858000" cy="9144000"/>
@@ -5881,12 +5883,19 @@
         </p:blipFill>
         <p:spPr>
           <a:xfrm>
-            <a:off x="0" y="0"/>
+            <a:off x="-115614" y="0"/>
             <a:ext cx="12307614" cy="6857990"/>
           </a:xfrm>
           <a:prstGeom prst="rect">
             <a:avLst/>
           </a:prstGeom>
+          <a:effectLst>
+            <a:outerShdw blurRad="50800" dist="50800" dir="5400000" sx="117000" sy="117000" algn="ctr" rotWithShape="0">
+              <a:srgbClr val="000000">
+                <a:alpha val="0"/>
+              </a:srgbClr>
+            </a:outerShdw>
+          </a:effectLst>
         </p:spPr>
       </p:pic>
       <p:sp>
@@ -5907,13 +5916,13 @@
         </p:nvSpPr>
         <p:spPr>
           <a:xfrm>
-            <a:off x="6033793" y="2355458"/>
+            <a:off x="4650661" y="3428995"/>
             <a:ext cx="4775075" cy="1630907"/>
           </a:xfrm>
         </p:spPr>
         <p:txBody>
           <a:bodyPr>
-            <a:normAutofit/>
+            <a:normAutofit fontScale="90000"/>
           </a:bodyPr>
           <a:lstStyle/>
           <a:p>
@@ -5923,13 +5932,80 @@
                   <a:schemeClr val="bg1"/>
                 </a:solidFill>
               </a:rPr>
-              <a:t>Poboljšanje djelomično sastavljenog genoma dugim očitanjima</a:t>
-            </a:r>
-            <a:endParaRPr lang="en-US" sz="2800" dirty="0">
-              <a:solidFill>
-                <a:schemeClr val="bg1"/>
-              </a:solidFill>
-            </a:endParaRPr>
+              <a:t>Poboljšanje djelomično sastavljenog genoma </a:t>
+            </a:r>
+            <a:r>
+              <a:rPr lang="en-US" sz="2800" dirty="0" err="1">
+                <a:solidFill>
+                  <a:schemeClr val="bg1"/>
+                </a:solidFill>
+              </a:rPr>
+              <a:t>efikasnim</a:t>
+            </a:r>
+            <a:r>
+              <a:rPr lang="en-US" sz="2800" dirty="0">
+                <a:solidFill>
+                  <a:schemeClr val="bg1"/>
+                </a:solidFill>
+              </a:rPr>
+              <a:t> </a:t>
+            </a:r>
+            <a:r>
+              <a:rPr lang="en-US" sz="2800" dirty="0" err="1">
+                <a:solidFill>
+                  <a:schemeClr val="bg1"/>
+                </a:solidFill>
+              </a:rPr>
+              <a:t>korištenjem</a:t>
+            </a:r>
+            <a:r>
+              <a:rPr lang="en-US" sz="2800" dirty="0">
+                <a:solidFill>
+                  <a:schemeClr val="bg1"/>
+                </a:solidFill>
+              </a:rPr>
+              <a:t> </a:t>
+            </a:r>
+            <a:r>
+              <a:rPr lang="hr-HR" sz="2800" dirty="0">
+                <a:solidFill>
+                  <a:schemeClr val="bg1"/>
+                </a:solidFill>
+              </a:rPr>
+              <a:t>dugi</a:t>
+            </a:r>
+            <a:r>
+              <a:rPr lang="en-US" sz="2800" dirty="0">
+                <a:solidFill>
+                  <a:schemeClr val="bg1"/>
+                </a:solidFill>
+              </a:rPr>
+              <a:t>h</a:t>
+            </a:r>
+            <a:r>
+              <a:rPr lang="hr-HR" sz="2800" dirty="0">
+                <a:solidFill>
+                  <a:schemeClr val="bg1"/>
+                </a:solidFill>
+              </a:rPr>
+              <a:t> </a:t>
+            </a:r>
+            <a:r>
+              <a:rPr lang="hr-HR" sz="2800" dirty="0" err="1">
+                <a:solidFill>
+                  <a:schemeClr val="bg1"/>
+                </a:solidFill>
+              </a:rPr>
+              <a:t>očitanj</a:t>
+            </a:r>
+            <a:r>
+              <a:rPr lang="en-US" sz="2800" dirty="0">
+                <a:solidFill>
+                  <a:schemeClr val="bg1"/>
+                </a:solidFill>
+              </a:rPr>
+              <a:t>a</a:t>
+            </a:r>
           </a:p>
         </p:txBody>
       </p:sp>
@@ -5951,7 +6027,7 @@
         </p:nvSpPr>
         <p:spPr>
           <a:xfrm>
-            <a:off x="6033793" y="3995988"/>
+            <a:off x="4772259" y="5059902"/>
             <a:ext cx="4775075" cy="559656"/>
           </a:xfrm>
         </p:spPr>
@@ -6025,6 +6101,449 @@
           <p:cNvPr id="2" name="Title 1">
             <a:extLst>
               <a:ext uri="{FF2B5EF4-FFF2-40B4-BE49-F238E27FC236}">
+                <a16:creationId xmlns:a16="http://schemas.microsoft.com/office/drawing/2014/main" id="{7ADBCFDE-D447-4367-BD19-552C3A957830}"/>
+              </a:ext>
+            </a:extLst>
+          </p:cNvPr>
+          <p:cNvSpPr>
+            <a:spLocks noGrp="1"/>
+          </p:cNvSpPr>
+          <p:nvPr>
+            <p:ph type="title"/>
+          </p:nvPr>
+        </p:nvSpPr>
+        <p:spPr/>
+        <p:txBody>
+          <a:bodyPr/>
+          <a:lstStyle/>
+          <a:p>
+            <a:r>
+              <a:rPr lang="en-US" dirty="0" err="1"/>
+              <a:t>Izazovi</a:t>
+            </a:r>
+            <a:endParaRPr lang="hr-HR" dirty="0"/>
+          </a:p>
+        </p:txBody>
+      </p:sp>
+      <p:sp>
+        <p:nvSpPr>
+          <p:cNvPr id="3" name="Content Placeholder 2">
+            <a:extLst>
+              <a:ext uri="{FF2B5EF4-FFF2-40B4-BE49-F238E27FC236}">
+                <a16:creationId xmlns:a16="http://schemas.microsoft.com/office/drawing/2014/main" id="{1317D167-D117-441C-AF8D-4DAE9DB91153}"/>
+              </a:ext>
+            </a:extLst>
+          </p:cNvPr>
+          <p:cNvSpPr>
+            <a:spLocks noGrp="1"/>
+          </p:cNvSpPr>
+          <p:nvPr>
+            <p:ph idx="1"/>
+          </p:nvPr>
+        </p:nvSpPr>
+        <p:spPr/>
+        <p:txBody>
+          <a:bodyPr/>
+          <a:lstStyle/>
+          <a:p>
+            <a:r>
+              <a:rPr lang="en-US" dirty="0" err="1"/>
+              <a:t>Odabir</a:t>
+            </a:r>
+            <a:r>
+              <a:rPr lang="en-US" dirty="0"/>
+              <a:t> </a:t>
+            </a:r>
+            <a:r>
+              <a:rPr lang="en-US" dirty="0" err="1"/>
+              <a:t>strategije</a:t>
+            </a:r>
+            <a:r>
+              <a:rPr lang="en-US" dirty="0"/>
+              <a:t> za </a:t>
+            </a:r>
+            <a:r>
+              <a:rPr lang="en-US" dirty="0" err="1"/>
+              <a:t>sastavljanje</a:t>
+            </a:r>
+            <a:r>
+              <a:rPr lang="en-US" dirty="0"/>
+              <a:t> </a:t>
+            </a:r>
+            <a:r>
+              <a:rPr lang="en-US" dirty="0" err="1"/>
+              <a:t>niza</a:t>
+            </a:r>
+            <a:r>
+              <a:rPr lang="en-US" dirty="0"/>
+              <a:t> </a:t>
+            </a:r>
+            <a:r>
+              <a:rPr lang="en-US" dirty="0" err="1"/>
+              <a:t>preklapanja</a:t>
+            </a:r>
+            <a:endParaRPr lang="en-US" dirty="0"/>
+          </a:p>
+          <a:p>
+            <a:r>
+              <a:rPr lang="en-US" dirty="0" err="1"/>
+              <a:t>Odabir</a:t>
+            </a:r>
+            <a:r>
+              <a:rPr lang="en-US" dirty="0"/>
+              <a:t> </a:t>
+            </a:r>
+            <a:r>
+              <a:rPr lang="en-US" dirty="0" err="1"/>
+              <a:t>načina</a:t>
+            </a:r>
+            <a:r>
+              <a:rPr lang="en-US" dirty="0"/>
+              <a:t> </a:t>
+            </a:r>
+            <a:r>
+              <a:rPr lang="en-US" dirty="0" err="1"/>
+              <a:t>grupiranja</a:t>
+            </a:r>
+            <a:r>
+              <a:rPr lang="en-US" dirty="0"/>
+              <a:t> </a:t>
+            </a:r>
+            <a:r>
+              <a:rPr lang="en-US" dirty="0" err="1"/>
+              <a:t>sekvenci</a:t>
+            </a:r>
+            <a:endParaRPr lang="en-US" dirty="0"/>
+          </a:p>
+          <a:p>
+            <a:r>
+              <a:rPr lang="en-US" dirty="0" err="1"/>
+              <a:t>Odabir</a:t>
+            </a:r>
+            <a:r>
+              <a:rPr lang="en-US" dirty="0"/>
+              <a:t> </a:t>
+            </a:r>
+            <a:r>
+              <a:rPr lang="en-US" dirty="0" err="1"/>
+              <a:t>načina</a:t>
+            </a:r>
+            <a:r>
+              <a:rPr lang="en-US" dirty="0"/>
+              <a:t> </a:t>
+            </a:r>
+            <a:r>
+              <a:rPr lang="en-US" dirty="0" err="1"/>
+              <a:t>ocjenjivanja</a:t>
+            </a:r>
+            <a:r>
+              <a:rPr lang="en-US" dirty="0"/>
+              <a:t> </a:t>
+            </a:r>
+            <a:r>
+              <a:rPr lang="en-US" dirty="0" err="1"/>
+              <a:t>i</a:t>
+            </a:r>
+            <a:r>
+              <a:rPr lang="en-US" dirty="0"/>
+              <a:t> </a:t>
+            </a:r>
+            <a:r>
+              <a:rPr lang="en-US" dirty="0" err="1"/>
+              <a:t>konačnog</a:t>
+            </a:r>
+            <a:r>
+              <a:rPr lang="en-US" dirty="0"/>
+              <a:t> </a:t>
+            </a:r>
+            <a:r>
+              <a:rPr lang="en-US" dirty="0" err="1"/>
+              <a:t>odabira</a:t>
+            </a:r>
+            <a:r>
+              <a:rPr lang="en-US" dirty="0"/>
+              <a:t> </a:t>
+            </a:r>
+            <a:r>
+              <a:rPr lang="en-US" dirty="0" err="1"/>
+              <a:t>konsenzus</a:t>
+            </a:r>
+            <a:r>
+              <a:rPr lang="en-US" dirty="0"/>
+              <a:t> </a:t>
+            </a:r>
+            <a:r>
+              <a:rPr lang="en-US" dirty="0" err="1"/>
+              <a:t>sekvence</a:t>
+            </a:r>
+            <a:endParaRPr lang="en-US" dirty="0"/>
+          </a:p>
+          <a:p>
+            <a:r>
+              <a:rPr lang="en-US" dirty="0" err="1"/>
+              <a:t>Odabir</a:t>
+            </a:r>
+            <a:r>
+              <a:rPr lang="en-US" dirty="0"/>
+              <a:t> </a:t>
+            </a:r>
+            <a:r>
+              <a:rPr lang="en-US" dirty="0" err="1"/>
+              <a:t>algoritma</a:t>
+            </a:r>
+            <a:r>
+              <a:rPr lang="en-US" dirty="0"/>
+              <a:t> za </a:t>
+            </a:r>
+            <a:r>
+              <a:rPr lang="en-US" dirty="0" err="1"/>
+              <a:t>izgradnju</a:t>
+            </a:r>
+            <a:r>
+              <a:rPr lang="en-US" dirty="0"/>
+              <a:t> </a:t>
+            </a:r>
+            <a:r>
+              <a:rPr lang="en-US" dirty="0" err="1"/>
+              <a:t>konačnog</a:t>
+            </a:r>
+            <a:r>
+              <a:rPr lang="en-US" dirty="0"/>
+              <a:t> puta </a:t>
+            </a:r>
+            <a:r>
+              <a:rPr lang="en-US" dirty="0" err="1"/>
+              <a:t>između</a:t>
+            </a:r>
+            <a:r>
+              <a:rPr lang="en-US" dirty="0"/>
+              <a:t> </a:t>
+            </a:r>
+            <a:r>
+              <a:rPr lang="en-US" dirty="0" err="1"/>
+              <a:t>contigova</a:t>
+            </a:r>
+            <a:endParaRPr lang="en-US" dirty="0"/>
+          </a:p>
+          <a:p>
+            <a:r>
+              <a:rPr lang="en-US"/>
+              <a:t>Izgradnja</a:t>
+            </a:r>
+            <a:r>
+              <a:rPr lang="en-US" dirty="0"/>
+              <a:t> </a:t>
+            </a:r>
+            <a:r>
+              <a:rPr lang="en-US" dirty="0" err="1"/>
+              <a:t>finalne</a:t>
+            </a:r>
+            <a:r>
+              <a:rPr lang="en-US" dirty="0"/>
+              <a:t> </a:t>
+            </a:r>
+            <a:r>
+              <a:rPr lang="en-US" dirty="0" err="1"/>
+              <a:t>sekvence</a:t>
+            </a:r>
+            <a:r>
+              <a:rPr lang="en-US" dirty="0"/>
+              <a:t> od </a:t>
+            </a:r>
+            <a:r>
+              <a:rPr lang="en-US" dirty="0" err="1"/>
+              <a:t>finalnog</a:t>
+            </a:r>
+            <a:r>
+              <a:rPr lang="en-US" dirty="0"/>
+              <a:t> </a:t>
+            </a:r>
+            <a:r>
+              <a:rPr lang="en-US" dirty="0" err="1"/>
+              <a:t>niza</a:t>
+            </a:r>
+            <a:r>
+              <a:rPr lang="en-US" dirty="0"/>
+              <a:t> </a:t>
+            </a:r>
+            <a:r>
+              <a:rPr lang="en-US" dirty="0" err="1"/>
+              <a:t>preklapanja</a:t>
+            </a:r>
+            <a:r>
+              <a:rPr lang="en-US" dirty="0"/>
+              <a:t> </a:t>
+            </a:r>
+            <a:r>
+              <a:rPr lang="en-US" dirty="0" err="1"/>
+              <a:t>koja</a:t>
+            </a:r>
+            <a:r>
+              <a:rPr lang="en-US" dirty="0"/>
+              <a:t> </a:t>
+            </a:r>
+            <a:r>
+              <a:rPr lang="en-US" dirty="0" err="1"/>
+              <a:t>smo</a:t>
+            </a:r>
+            <a:r>
+              <a:rPr lang="en-US" dirty="0"/>
+              <a:t> </a:t>
+            </a:r>
+            <a:r>
+              <a:rPr lang="en-US" dirty="0" err="1"/>
+              <a:t>dobili</a:t>
+            </a:r>
+            <a:endParaRPr lang="en-US" dirty="0"/>
+          </a:p>
+        </p:txBody>
+      </p:sp>
+    </p:spTree>
+    <p:extLst>
+      <p:ext uri="{BB962C8B-B14F-4D97-AF65-F5344CB8AC3E}">
+        <p14:creationId xmlns:p14="http://schemas.microsoft.com/office/powerpoint/2010/main" val="3752063206"/>
+      </p:ext>
+    </p:extLst>
+  </p:cSld>
+  <p:clrMapOvr>
+    <a:masterClrMapping/>
+  </p:clrMapOvr>
+</p:sld>
+</file>
+
+<file path=ppt/slides/slide11.xml><?xml version="1.0" encoding="utf-8"?>
+<p:sld xmlns:a="http://schemas.openxmlformats.org/drawingml/2006/main" xmlns:r="http://schemas.openxmlformats.org/officeDocument/2006/relationships" xmlns:p="http://schemas.openxmlformats.org/presentationml/2006/main">
+  <p:cSld>
+    <p:spTree>
+      <p:nvGrpSpPr>
+        <p:cNvPr id="1" name=""/>
+        <p:cNvGrpSpPr/>
+        <p:nvPr/>
+      </p:nvGrpSpPr>
+      <p:grpSpPr>
+        <a:xfrm>
+          <a:off x="0" y="0"/>
+          <a:ext cx="0" cy="0"/>
+          <a:chOff x="0" y="0"/>
+          <a:chExt cx="0" cy="0"/>
+        </a:xfrm>
+      </p:grpSpPr>
+      <p:sp>
+        <p:nvSpPr>
+          <p:cNvPr id="2" name="Title 1">
+            <a:extLst>
+              <a:ext uri="{FF2B5EF4-FFF2-40B4-BE49-F238E27FC236}">
+                <a16:creationId xmlns:a16="http://schemas.microsoft.com/office/drawing/2014/main" id="{59397782-7368-438A-B8E0-81843752955C}"/>
+              </a:ext>
+            </a:extLst>
+          </p:cNvPr>
+          <p:cNvSpPr>
+            <a:spLocks noGrp="1"/>
+          </p:cNvSpPr>
+          <p:nvPr>
+            <p:ph type="title"/>
+          </p:nvPr>
+        </p:nvSpPr>
+        <p:spPr/>
+        <p:txBody>
+          <a:bodyPr/>
+          <a:lstStyle/>
+          <a:p>
+            <a:r>
+              <a:rPr lang="en-US" dirty="0" err="1"/>
+              <a:t>Rezultat</a:t>
+            </a:r>
+            <a:r>
+              <a:rPr lang="en-US" dirty="0"/>
+              <a:t> </a:t>
+            </a:r>
+            <a:r>
+              <a:rPr lang="en-US" dirty="0" err="1"/>
+              <a:t>dobiven</a:t>
+            </a:r>
+            <a:r>
+              <a:rPr lang="en-US" dirty="0"/>
+              <a:t> </a:t>
+            </a:r>
+            <a:r>
+              <a:rPr lang="en-US" dirty="0" err="1"/>
+              <a:t>na</a:t>
+            </a:r>
+            <a:r>
+              <a:rPr lang="en-US" dirty="0"/>
+              <a:t> E. coli</a:t>
+            </a:r>
+            <a:endParaRPr lang="hr-HR" dirty="0"/>
+          </a:p>
+        </p:txBody>
+      </p:sp>
+      <p:pic>
+        <p:nvPicPr>
+          <p:cNvPr id="4" name="Content Placeholder 3">
+            <a:extLst>
+              <a:ext uri="{FF2B5EF4-FFF2-40B4-BE49-F238E27FC236}">
+                <a16:creationId xmlns:a16="http://schemas.microsoft.com/office/drawing/2014/main" id="{989DEBFF-AABF-47DC-B3FA-9DE2A05938D3}"/>
+              </a:ext>
+            </a:extLst>
+          </p:cNvPr>
+          <p:cNvPicPr>
+            <a:picLocks noGrp="1" noChangeAspect="1"/>
+          </p:cNvPicPr>
+          <p:nvPr>
+            <p:ph idx="1"/>
+          </p:nvPr>
+        </p:nvPicPr>
+        <p:blipFill>
+          <a:blip r:embed="rId2"/>
+          <a:stretch>
+            <a:fillRect/>
+          </a:stretch>
+        </p:blipFill>
+        <p:spPr>
+          <a:xfrm>
+            <a:off x="2288727" y="1296379"/>
+            <a:ext cx="4834884" cy="4952021"/>
+          </a:xfrm>
+          <a:prstGeom prst="rect">
+            <a:avLst/>
+          </a:prstGeom>
+        </p:spPr>
+      </p:pic>
+    </p:spTree>
+    <p:extLst>
+      <p:ext uri="{BB962C8B-B14F-4D97-AF65-F5344CB8AC3E}">
+        <p14:creationId xmlns:p14="http://schemas.microsoft.com/office/powerpoint/2010/main" val="3376771052"/>
+      </p:ext>
+    </p:extLst>
+  </p:cSld>
+  <p:clrMapOvr>
+    <a:masterClrMapping/>
+  </p:clrMapOvr>
+</p:sld>
+</file>
+
+<file path=ppt/slides/slide12.xml><?xml version="1.0" encoding="utf-8"?>
+<p:sld xmlns:a="http://schemas.openxmlformats.org/drawingml/2006/main" xmlns:r="http://schemas.openxmlformats.org/officeDocument/2006/relationships" xmlns:p="http://schemas.openxmlformats.org/presentationml/2006/main">
+  <p:cSld>
+    <p:spTree>
+      <p:nvGrpSpPr>
+        <p:cNvPr id="1" name=""/>
+        <p:cNvGrpSpPr/>
+        <p:nvPr/>
+      </p:nvGrpSpPr>
+      <p:grpSpPr>
+        <a:xfrm>
+          <a:off x="0" y="0"/>
+          <a:ext cx="0" cy="0"/>
+          <a:chOff x="0" y="0"/>
+          <a:chExt cx="0" cy="0"/>
+        </a:xfrm>
+      </p:grpSpPr>
+      <p:sp>
+        <p:nvSpPr>
+          <p:cNvPr id="2" name="Title 1">
+            <a:extLst>
+              <a:ext uri="{FF2B5EF4-FFF2-40B4-BE49-F238E27FC236}">
                 <a16:creationId xmlns:a16="http://schemas.microsoft.com/office/drawing/2014/main" id="{F4873F3E-30A8-4749-9652-5ED9744C6D5A}"/>
               </a:ext>
             </a:extLst>
@@ -6062,16 +6581,16 @@
               <a:t>slušanju</a:t>
             </a:r>
             <a:r>
-              <a:rPr lang="en-US"/>
+              <a:rPr lang="en-US" dirty="0"/>
               <a:t> </a:t>
             </a:r>
             <a:r>
-              <a:rPr lang="en-US">
+              <a:rPr lang="en-US" dirty="0">
                 <a:sym typeface="Wingdings" panose="05000000000000000000" pitchFamily="2" charset="2"/>
               </a:rPr>
               <a:t></a:t>
             </a:r>
-            <a:endParaRPr lang="hr-HR"/>
+            <a:endParaRPr lang="hr-HR" dirty="0"/>
           </a:p>
         </p:txBody>
       </p:sp>
@@ -6114,6 +6633,256 @@
 </file>
 
 <file path=ppt/slides/slide2.xml><?xml version="1.0" encoding="utf-8"?>
+<p:sld xmlns:a="http://schemas.openxmlformats.org/drawingml/2006/main" xmlns:r="http://schemas.openxmlformats.org/officeDocument/2006/relationships" xmlns:p="http://schemas.openxmlformats.org/presentationml/2006/main">
+  <p:cSld>
+    <p:spTree>
+      <p:nvGrpSpPr>
+        <p:cNvPr id="1" name=""/>
+        <p:cNvGrpSpPr/>
+        <p:nvPr/>
+      </p:nvGrpSpPr>
+      <p:grpSpPr>
+        <a:xfrm>
+          <a:off x="0" y="0"/>
+          <a:ext cx="0" cy="0"/>
+          <a:chOff x="0" y="0"/>
+          <a:chExt cx="0" cy="0"/>
+        </a:xfrm>
+      </p:grpSpPr>
+      <p:sp>
+        <p:nvSpPr>
+          <p:cNvPr id="2" name="Title 1">
+            <a:extLst>
+              <a:ext uri="{FF2B5EF4-FFF2-40B4-BE49-F238E27FC236}">
+                <a16:creationId xmlns:a16="http://schemas.microsoft.com/office/drawing/2014/main" id="{E9FAF011-D12C-4502-9C67-E2D313E40786}"/>
+              </a:ext>
+            </a:extLst>
+          </p:cNvPr>
+          <p:cNvSpPr>
+            <a:spLocks noGrp="1"/>
+          </p:cNvSpPr>
+          <p:nvPr>
+            <p:ph type="title"/>
+          </p:nvPr>
+        </p:nvSpPr>
+        <p:spPr/>
+        <p:txBody>
+          <a:bodyPr/>
+          <a:lstStyle/>
+          <a:p>
+            <a:r>
+              <a:rPr lang="en-US" dirty="0" err="1"/>
+              <a:t>Članovi</a:t>
+            </a:r>
+            <a:r>
+              <a:rPr lang="en-US" dirty="0"/>
+              <a:t> </a:t>
+            </a:r>
+            <a:r>
+              <a:rPr lang="en-US" dirty="0" err="1"/>
+              <a:t>tima</a:t>
+            </a:r>
+            <a:endParaRPr lang="hr-HR" dirty="0"/>
+          </a:p>
+        </p:txBody>
+      </p:sp>
+      <p:sp>
+        <p:nvSpPr>
+          <p:cNvPr id="3" name="Content Placeholder 2">
+            <a:extLst>
+              <a:ext uri="{FF2B5EF4-FFF2-40B4-BE49-F238E27FC236}">
+                <a16:creationId xmlns:a16="http://schemas.microsoft.com/office/drawing/2014/main" id="{7C5552E4-1632-4BB1-9430-E16BA6D8B078}"/>
+              </a:ext>
+            </a:extLst>
+          </p:cNvPr>
+          <p:cNvSpPr>
+            <a:spLocks noGrp="1"/>
+          </p:cNvSpPr>
+          <p:nvPr>
+            <p:ph idx="1"/>
+          </p:nvPr>
+        </p:nvSpPr>
+        <p:spPr/>
+        <p:txBody>
+          <a:bodyPr/>
+          <a:lstStyle/>
+          <a:p>
+            <a:r>
+              <a:rPr lang="en-US" dirty="0"/>
+              <a:t>Dominik Ivošević</a:t>
+            </a:r>
+          </a:p>
+          <a:p>
+            <a:r>
+              <a:rPr lang="en-US" dirty="0"/>
+              <a:t>Eduard-Edi </a:t>
+            </a:r>
+            <a:r>
+              <a:rPr lang="en-US" dirty="0" err="1"/>
+              <a:t>Jerković</a:t>
+            </a:r>
+            <a:endParaRPr lang="en-US" dirty="0"/>
+          </a:p>
+          <a:p>
+            <a:r>
+              <a:rPr lang="en-US" dirty="0"/>
+              <a:t>Marin </a:t>
+            </a:r>
+            <a:r>
+              <a:rPr lang="en-US" dirty="0" err="1"/>
+              <a:t>Smoljanić</a:t>
+            </a:r>
+            <a:endParaRPr lang="en-US" dirty="0"/>
+          </a:p>
+          <a:p>
+            <a:r>
+              <a:rPr lang="en-US" dirty="0"/>
+              <a:t>Mentor: doc. dr. sc. </a:t>
+            </a:r>
+            <a:r>
+              <a:rPr lang="en-US" dirty="0" err="1"/>
+              <a:t>Krešimir</a:t>
+            </a:r>
+            <a:r>
+              <a:rPr lang="en-US" dirty="0"/>
+              <a:t> </a:t>
+            </a:r>
+            <a:r>
+              <a:rPr lang="en-US" dirty="0" err="1"/>
+              <a:t>Križanović</a:t>
+            </a:r>
+            <a:endParaRPr lang="en-US" dirty="0"/>
+          </a:p>
+          <a:p>
+            <a:endParaRPr lang="hr-HR" dirty="0"/>
+          </a:p>
+        </p:txBody>
+      </p:sp>
+    </p:spTree>
+    <p:extLst>
+      <p:ext uri="{BB962C8B-B14F-4D97-AF65-F5344CB8AC3E}">
+        <p14:creationId xmlns:p14="http://schemas.microsoft.com/office/powerpoint/2010/main" val="1280928931"/>
+      </p:ext>
+    </p:extLst>
+  </p:cSld>
+  <p:clrMapOvr>
+    <a:masterClrMapping/>
+  </p:clrMapOvr>
+</p:sld>
+</file>
+
+<file path=ppt/slides/slide3.xml><?xml version="1.0" encoding="utf-8"?>
+<p:sld xmlns:a="http://schemas.openxmlformats.org/drawingml/2006/main" xmlns:r="http://schemas.openxmlformats.org/officeDocument/2006/relationships" xmlns:p="http://schemas.openxmlformats.org/presentationml/2006/main">
+  <p:cSld>
+    <p:spTree>
+      <p:nvGrpSpPr>
+        <p:cNvPr id="1" name=""/>
+        <p:cNvGrpSpPr/>
+        <p:nvPr/>
+      </p:nvGrpSpPr>
+      <p:grpSpPr>
+        <a:xfrm>
+          <a:off x="0" y="0"/>
+          <a:ext cx="0" cy="0"/>
+          <a:chOff x="0" y="0"/>
+          <a:chExt cx="0" cy="0"/>
+        </a:xfrm>
+      </p:grpSpPr>
+      <p:sp>
+        <p:nvSpPr>
+          <p:cNvPr id="2" name="Title 1">
+            <a:extLst>
+              <a:ext uri="{FF2B5EF4-FFF2-40B4-BE49-F238E27FC236}">
+                <a16:creationId xmlns:a16="http://schemas.microsoft.com/office/drawing/2014/main" id="{4B4756C4-44FA-4372-9469-505FCDA6A19F}"/>
+              </a:ext>
+            </a:extLst>
+          </p:cNvPr>
+          <p:cNvSpPr>
+            <a:spLocks noGrp="1"/>
+          </p:cNvSpPr>
+          <p:nvPr>
+            <p:ph type="title"/>
+          </p:nvPr>
+        </p:nvSpPr>
+        <p:spPr/>
+        <p:txBody>
+          <a:bodyPr/>
+          <a:lstStyle/>
+          <a:p>
+            <a:r>
+              <a:rPr lang="en-US" dirty="0" err="1"/>
+              <a:t>Temeljeno</a:t>
+            </a:r>
+            <a:r>
+              <a:rPr lang="en-US" dirty="0"/>
+              <a:t> </a:t>
+            </a:r>
+            <a:r>
+              <a:rPr lang="en-US" dirty="0" err="1"/>
+              <a:t>na</a:t>
+            </a:r>
+            <a:r>
+              <a:rPr lang="en-US" dirty="0"/>
+              <a:t> </a:t>
+            </a:r>
+            <a:r>
+              <a:rPr lang="en-US" dirty="0" err="1"/>
+              <a:t>radu</a:t>
+            </a:r>
+            <a:r>
+              <a:rPr lang="en-US" dirty="0"/>
+              <a:t> HERA</a:t>
+            </a:r>
+            <a:endParaRPr lang="hr-HR" dirty="0"/>
+          </a:p>
+        </p:txBody>
+      </p:sp>
+      <p:pic>
+        <p:nvPicPr>
+          <p:cNvPr id="4" name="Content Placeholder 3">
+            <a:extLst>
+              <a:ext uri="{FF2B5EF4-FFF2-40B4-BE49-F238E27FC236}">
+                <a16:creationId xmlns:a16="http://schemas.microsoft.com/office/drawing/2014/main" id="{2EF22A4D-8F25-4783-9364-2AE8328F54A0}"/>
+              </a:ext>
+            </a:extLst>
+          </p:cNvPr>
+          <p:cNvPicPr>
+            <a:picLocks noGrp="1" noChangeAspect="1"/>
+          </p:cNvPicPr>
+          <p:nvPr>
+            <p:ph idx="1"/>
+          </p:nvPr>
+        </p:nvPicPr>
+        <p:blipFill>
+          <a:blip r:embed="rId2"/>
+          <a:stretch>
+            <a:fillRect/>
+          </a:stretch>
+        </p:blipFill>
+        <p:spPr>
+          <a:xfrm>
+            <a:off x="677334" y="1488281"/>
+            <a:ext cx="6909508" cy="3881437"/>
+          </a:xfrm>
+          <a:prstGeom prst="rect">
+            <a:avLst/>
+          </a:prstGeom>
+        </p:spPr>
+      </p:pic>
+    </p:spTree>
+    <p:extLst>
+      <p:ext uri="{BB962C8B-B14F-4D97-AF65-F5344CB8AC3E}">
+        <p14:creationId xmlns:p14="http://schemas.microsoft.com/office/powerpoint/2010/main" val="900528055"/>
+      </p:ext>
+    </p:extLst>
+  </p:cSld>
+  <p:clrMapOvr>
+    <a:masterClrMapping/>
+  </p:clrMapOvr>
+</p:sld>
+</file>
+
+<file path=ppt/slides/slide4.xml><?xml version="1.0" encoding="utf-8"?>
 <p:sld xmlns:a="http://schemas.openxmlformats.org/drawingml/2006/main" xmlns:r="http://schemas.openxmlformats.org/officeDocument/2006/relationships" xmlns:p="http://schemas.openxmlformats.org/presentationml/2006/main">
   <p:cSld>
     <p:spTree>
@@ -6455,7 +7224,7 @@
 </p:sld>
 </file>
 
-<file path=ppt/slides/slide3.xml><?xml version="1.0" encoding="utf-8"?>
+<file path=ppt/slides/slide5.xml><?xml version="1.0" encoding="utf-8"?>
 <p:sld xmlns:a="http://schemas.openxmlformats.org/drawingml/2006/main" xmlns:r="http://schemas.openxmlformats.org/officeDocument/2006/relationships" xmlns:p="http://schemas.openxmlformats.org/presentationml/2006/main">
   <p:cSld>
     <p:spTree>
@@ -6558,7 +7327,7 @@
 </p:sld>
 </file>
 
-<file path=ppt/slides/slide4.xml><?xml version="1.0" encoding="utf-8"?>
+<file path=ppt/slides/slide6.xml><?xml version="1.0" encoding="utf-8"?>
 <p:sld xmlns:a="http://schemas.openxmlformats.org/drawingml/2006/main" xmlns:r="http://schemas.openxmlformats.org/officeDocument/2006/relationships" xmlns:p="http://schemas.openxmlformats.org/presentationml/2006/main">
   <p:cSld>
     <p:spTree>
@@ -6689,7 +7458,7 @@
 </p:sld>
 </file>
 
-<file path=ppt/slides/slide5.xml><?xml version="1.0" encoding="utf-8"?>
+<file path=ppt/slides/slide7.xml><?xml version="1.0" encoding="utf-8"?>
 <p:sld xmlns:a="http://schemas.openxmlformats.org/drawingml/2006/main" xmlns:r="http://schemas.openxmlformats.org/officeDocument/2006/relationships" xmlns:p="http://schemas.openxmlformats.org/presentationml/2006/main">
   <p:cSld>
     <p:spTree>
@@ -6812,7 +7581,7 @@
 </p:sld>
 </file>
 
-<file path=ppt/slides/slide6.xml><?xml version="1.0" encoding="utf-8"?>
+<file path=ppt/slides/slide8.xml><?xml version="1.0" encoding="utf-8"?>
 <p:sld xmlns:a="http://schemas.openxmlformats.org/drawingml/2006/main" xmlns:r="http://schemas.openxmlformats.org/officeDocument/2006/relationships" xmlns:p="http://schemas.openxmlformats.org/presentationml/2006/main">
   <p:cSld>
     <p:spTree>
@@ -7000,7 +7769,7 @@
 </p:sld>
 </file>
 
-<file path=ppt/slides/slide7.xml><?xml version="1.0" encoding="utf-8"?>
+<file path=ppt/slides/slide9.xml><?xml version="1.0" encoding="utf-8"?>
 <p:sld xmlns:a="http://schemas.openxmlformats.org/drawingml/2006/main" xmlns:r="http://schemas.openxmlformats.org/officeDocument/2006/relationships" xmlns:p="http://schemas.openxmlformats.org/presentationml/2006/main">
   <p:cSld>
     <p:spTree>
@@ -7114,449 +7883,6 @@
     <p:extLst>
       <p:ext uri="{BB962C8B-B14F-4D97-AF65-F5344CB8AC3E}">
         <p14:creationId xmlns:p14="http://schemas.microsoft.com/office/powerpoint/2010/main" val="3024863651"/>
-      </p:ext>
-    </p:extLst>
-  </p:cSld>
-  <p:clrMapOvr>
-    <a:masterClrMapping/>
-  </p:clrMapOvr>
-</p:sld>
-</file>
-
-<file path=ppt/slides/slide8.xml><?xml version="1.0" encoding="utf-8"?>
-<p:sld xmlns:a="http://schemas.openxmlformats.org/drawingml/2006/main" xmlns:r="http://schemas.openxmlformats.org/officeDocument/2006/relationships" xmlns:p="http://schemas.openxmlformats.org/presentationml/2006/main">
-  <p:cSld>
-    <p:spTree>
-      <p:nvGrpSpPr>
-        <p:cNvPr id="1" name=""/>
-        <p:cNvGrpSpPr/>
-        <p:nvPr/>
-      </p:nvGrpSpPr>
-      <p:grpSpPr>
-        <a:xfrm>
-          <a:off x="0" y="0"/>
-          <a:ext cx="0" cy="0"/>
-          <a:chOff x="0" y="0"/>
-          <a:chExt cx="0" cy="0"/>
-        </a:xfrm>
-      </p:grpSpPr>
-      <p:sp>
-        <p:nvSpPr>
-          <p:cNvPr id="2" name="Title 1">
-            <a:extLst>
-              <a:ext uri="{FF2B5EF4-FFF2-40B4-BE49-F238E27FC236}">
-                <a16:creationId xmlns:a16="http://schemas.microsoft.com/office/drawing/2014/main" id="{7ADBCFDE-D447-4367-BD19-552C3A957830}"/>
-              </a:ext>
-            </a:extLst>
-          </p:cNvPr>
-          <p:cNvSpPr>
-            <a:spLocks noGrp="1"/>
-          </p:cNvSpPr>
-          <p:nvPr>
-            <p:ph type="title"/>
-          </p:nvPr>
-        </p:nvSpPr>
-        <p:spPr/>
-        <p:txBody>
-          <a:bodyPr/>
-          <a:lstStyle/>
-          <a:p>
-            <a:r>
-              <a:rPr lang="en-US" dirty="0" err="1"/>
-              <a:t>Izazovi</a:t>
-            </a:r>
-            <a:endParaRPr lang="hr-HR" dirty="0"/>
-          </a:p>
-        </p:txBody>
-      </p:sp>
-      <p:sp>
-        <p:nvSpPr>
-          <p:cNvPr id="3" name="Content Placeholder 2">
-            <a:extLst>
-              <a:ext uri="{FF2B5EF4-FFF2-40B4-BE49-F238E27FC236}">
-                <a16:creationId xmlns:a16="http://schemas.microsoft.com/office/drawing/2014/main" id="{1317D167-D117-441C-AF8D-4DAE9DB91153}"/>
-              </a:ext>
-            </a:extLst>
-          </p:cNvPr>
-          <p:cNvSpPr>
-            <a:spLocks noGrp="1"/>
-          </p:cNvSpPr>
-          <p:nvPr>
-            <p:ph idx="1"/>
-          </p:nvPr>
-        </p:nvSpPr>
-        <p:spPr/>
-        <p:txBody>
-          <a:bodyPr/>
-          <a:lstStyle/>
-          <a:p>
-            <a:r>
-              <a:rPr lang="en-US" dirty="0" err="1"/>
-              <a:t>Odabir</a:t>
-            </a:r>
-            <a:r>
-              <a:rPr lang="en-US" dirty="0"/>
-              <a:t> </a:t>
-            </a:r>
-            <a:r>
-              <a:rPr lang="en-US" dirty="0" err="1"/>
-              <a:t>strategije</a:t>
-            </a:r>
-            <a:r>
-              <a:rPr lang="en-US" dirty="0"/>
-              <a:t> za </a:t>
-            </a:r>
-            <a:r>
-              <a:rPr lang="en-US" dirty="0" err="1"/>
-              <a:t>sastavljanje</a:t>
-            </a:r>
-            <a:r>
-              <a:rPr lang="en-US" dirty="0"/>
-              <a:t> </a:t>
-            </a:r>
-            <a:r>
-              <a:rPr lang="en-US" dirty="0" err="1"/>
-              <a:t>niza</a:t>
-            </a:r>
-            <a:r>
-              <a:rPr lang="en-US" dirty="0"/>
-              <a:t> </a:t>
-            </a:r>
-            <a:r>
-              <a:rPr lang="en-US" dirty="0" err="1"/>
-              <a:t>preklapanja</a:t>
-            </a:r>
-            <a:endParaRPr lang="en-US" dirty="0"/>
-          </a:p>
-          <a:p>
-            <a:r>
-              <a:rPr lang="en-US" dirty="0" err="1"/>
-              <a:t>Odabir</a:t>
-            </a:r>
-            <a:r>
-              <a:rPr lang="en-US" dirty="0"/>
-              <a:t> </a:t>
-            </a:r>
-            <a:r>
-              <a:rPr lang="en-US" dirty="0" err="1"/>
-              <a:t>načina</a:t>
-            </a:r>
-            <a:r>
-              <a:rPr lang="en-US" dirty="0"/>
-              <a:t> </a:t>
-            </a:r>
-            <a:r>
-              <a:rPr lang="en-US" dirty="0" err="1"/>
-              <a:t>grupiranja</a:t>
-            </a:r>
-            <a:r>
-              <a:rPr lang="en-US" dirty="0"/>
-              <a:t> </a:t>
-            </a:r>
-            <a:r>
-              <a:rPr lang="en-US" dirty="0" err="1"/>
-              <a:t>sekvenci</a:t>
-            </a:r>
-            <a:endParaRPr lang="en-US" dirty="0"/>
-          </a:p>
-          <a:p>
-            <a:r>
-              <a:rPr lang="en-US" dirty="0" err="1"/>
-              <a:t>Odabir</a:t>
-            </a:r>
-            <a:r>
-              <a:rPr lang="en-US" dirty="0"/>
-              <a:t> </a:t>
-            </a:r>
-            <a:r>
-              <a:rPr lang="en-US" dirty="0" err="1"/>
-              <a:t>načina</a:t>
-            </a:r>
-            <a:r>
-              <a:rPr lang="en-US" dirty="0"/>
-              <a:t> </a:t>
-            </a:r>
-            <a:r>
-              <a:rPr lang="en-US" dirty="0" err="1"/>
-              <a:t>ocjenjivanja</a:t>
-            </a:r>
-            <a:r>
-              <a:rPr lang="en-US" dirty="0"/>
-              <a:t> </a:t>
-            </a:r>
-            <a:r>
-              <a:rPr lang="en-US" dirty="0" err="1"/>
-              <a:t>i</a:t>
-            </a:r>
-            <a:r>
-              <a:rPr lang="en-US" dirty="0"/>
-              <a:t> </a:t>
-            </a:r>
-            <a:r>
-              <a:rPr lang="en-US" dirty="0" err="1"/>
-              <a:t>konačnog</a:t>
-            </a:r>
-            <a:r>
-              <a:rPr lang="en-US" dirty="0"/>
-              <a:t> </a:t>
-            </a:r>
-            <a:r>
-              <a:rPr lang="en-US" dirty="0" err="1"/>
-              <a:t>odabira</a:t>
-            </a:r>
-            <a:r>
-              <a:rPr lang="en-US" dirty="0"/>
-              <a:t> </a:t>
-            </a:r>
-            <a:r>
-              <a:rPr lang="en-US" dirty="0" err="1"/>
-              <a:t>konsenzus</a:t>
-            </a:r>
-            <a:r>
-              <a:rPr lang="en-US" dirty="0"/>
-              <a:t> </a:t>
-            </a:r>
-            <a:r>
-              <a:rPr lang="en-US" dirty="0" err="1"/>
-              <a:t>sekvence</a:t>
-            </a:r>
-            <a:endParaRPr lang="en-US" dirty="0"/>
-          </a:p>
-          <a:p>
-            <a:r>
-              <a:rPr lang="en-US" dirty="0" err="1"/>
-              <a:t>Odabir</a:t>
-            </a:r>
-            <a:r>
-              <a:rPr lang="en-US" dirty="0"/>
-              <a:t> </a:t>
-            </a:r>
-            <a:r>
-              <a:rPr lang="en-US" dirty="0" err="1"/>
-              <a:t>algoritma</a:t>
-            </a:r>
-            <a:r>
-              <a:rPr lang="en-US" dirty="0"/>
-              <a:t> za </a:t>
-            </a:r>
-            <a:r>
-              <a:rPr lang="en-US" dirty="0" err="1"/>
-              <a:t>izgradnju</a:t>
-            </a:r>
-            <a:r>
-              <a:rPr lang="en-US" dirty="0"/>
-              <a:t> </a:t>
-            </a:r>
-            <a:r>
-              <a:rPr lang="en-US" dirty="0" err="1"/>
-              <a:t>konačnog</a:t>
-            </a:r>
-            <a:r>
-              <a:rPr lang="en-US" dirty="0"/>
-              <a:t> puta </a:t>
-            </a:r>
-            <a:r>
-              <a:rPr lang="en-US" dirty="0" err="1"/>
-              <a:t>između</a:t>
-            </a:r>
-            <a:r>
-              <a:rPr lang="en-US" dirty="0"/>
-              <a:t> </a:t>
-            </a:r>
-            <a:r>
-              <a:rPr lang="en-US" dirty="0" err="1"/>
-              <a:t>contigova</a:t>
-            </a:r>
-            <a:endParaRPr lang="en-US" dirty="0"/>
-          </a:p>
-          <a:p>
-            <a:r>
-              <a:rPr lang="en-US" dirty="0" err="1"/>
-              <a:t>Igradnja</a:t>
-            </a:r>
-            <a:r>
-              <a:rPr lang="en-US" dirty="0"/>
-              <a:t> </a:t>
-            </a:r>
-            <a:r>
-              <a:rPr lang="en-US" dirty="0" err="1"/>
-              <a:t>finalne</a:t>
-            </a:r>
-            <a:r>
-              <a:rPr lang="en-US" dirty="0"/>
-              <a:t> </a:t>
-            </a:r>
-            <a:r>
-              <a:rPr lang="en-US" dirty="0" err="1"/>
-              <a:t>sekvence</a:t>
-            </a:r>
-            <a:r>
-              <a:rPr lang="en-US" dirty="0"/>
-              <a:t> od </a:t>
-            </a:r>
-            <a:r>
-              <a:rPr lang="en-US" dirty="0" err="1"/>
-              <a:t>finalnog</a:t>
-            </a:r>
-            <a:r>
-              <a:rPr lang="en-US" dirty="0"/>
-              <a:t> </a:t>
-            </a:r>
-            <a:r>
-              <a:rPr lang="en-US" dirty="0" err="1"/>
-              <a:t>niza</a:t>
-            </a:r>
-            <a:r>
-              <a:rPr lang="en-US" dirty="0"/>
-              <a:t> </a:t>
-            </a:r>
-            <a:r>
-              <a:rPr lang="en-US" dirty="0" err="1"/>
-              <a:t>preklapanja</a:t>
-            </a:r>
-            <a:r>
-              <a:rPr lang="en-US" dirty="0"/>
-              <a:t> </a:t>
-            </a:r>
-            <a:r>
-              <a:rPr lang="en-US" dirty="0" err="1"/>
-              <a:t>koja</a:t>
-            </a:r>
-            <a:r>
-              <a:rPr lang="en-US" dirty="0"/>
-              <a:t> </a:t>
-            </a:r>
-            <a:r>
-              <a:rPr lang="en-US" dirty="0" err="1"/>
-              <a:t>smo</a:t>
-            </a:r>
-            <a:r>
-              <a:rPr lang="en-US" dirty="0"/>
-              <a:t> </a:t>
-            </a:r>
-            <a:r>
-              <a:rPr lang="en-US" dirty="0" err="1"/>
-              <a:t>dobili</a:t>
-            </a:r>
-            <a:endParaRPr lang="en-US" dirty="0"/>
-          </a:p>
-        </p:txBody>
-      </p:sp>
-    </p:spTree>
-    <p:extLst>
-      <p:ext uri="{BB962C8B-B14F-4D97-AF65-F5344CB8AC3E}">
-        <p14:creationId xmlns:p14="http://schemas.microsoft.com/office/powerpoint/2010/main" val="3752063206"/>
-      </p:ext>
-    </p:extLst>
-  </p:cSld>
-  <p:clrMapOvr>
-    <a:masterClrMapping/>
-  </p:clrMapOvr>
-</p:sld>
-</file>
-
-<file path=ppt/slides/slide9.xml><?xml version="1.0" encoding="utf-8"?>
-<p:sld xmlns:a="http://schemas.openxmlformats.org/drawingml/2006/main" xmlns:r="http://schemas.openxmlformats.org/officeDocument/2006/relationships" xmlns:p="http://schemas.openxmlformats.org/presentationml/2006/main">
-  <p:cSld>
-    <p:spTree>
-      <p:nvGrpSpPr>
-        <p:cNvPr id="1" name=""/>
-        <p:cNvGrpSpPr/>
-        <p:nvPr/>
-      </p:nvGrpSpPr>
-      <p:grpSpPr>
-        <a:xfrm>
-          <a:off x="0" y="0"/>
-          <a:ext cx="0" cy="0"/>
-          <a:chOff x="0" y="0"/>
-          <a:chExt cx="0" cy="0"/>
-        </a:xfrm>
-      </p:grpSpPr>
-      <p:sp>
-        <p:nvSpPr>
-          <p:cNvPr id="2" name="Title 1">
-            <a:extLst>
-              <a:ext uri="{FF2B5EF4-FFF2-40B4-BE49-F238E27FC236}">
-                <a16:creationId xmlns:a16="http://schemas.microsoft.com/office/drawing/2014/main" id="{59397782-7368-438A-B8E0-81843752955C}"/>
-              </a:ext>
-            </a:extLst>
-          </p:cNvPr>
-          <p:cNvSpPr>
-            <a:spLocks noGrp="1"/>
-          </p:cNvSpPr>
-          <p:nvPr>
-            <p:ph type="title"/>
-          </p:nvPr>
-        </p:nvSpPr>
-        <p:spPr/>
-        <p:txBody>
-          <a:bodyPr/>
-          <a:lstStyle/>
-          <a:p>
-            <a:r>
-              <a:rPr lang="en-US" dirty="0" err="1"/>
-              <a:t>Rezultat</a:t>
-            </a:r>
-            <a:r>
-              <a:rPr lang="en-US" dirty="0"/>
-              <a:t> </a:t>
-            </a:r>
-            <a:r>
-              <a:rPr lang="en-US" dirty="0" err="1"/>
-              <a:t>dobiven</a:t>
-            </a:r>
-            <a:r>
-              <a:rPr lang="en-US" dirty="0"/>
-              <a:t> </a:t>
-            </a:r>
-            <a:r>
-              <a:rPr lang="en-US" dirty="0" err="1"/>
-              <a:t>na</a:t>
-            </a:r>
-            <a:r>
-              <a:rPr lang="en-US" dirty="0"/>
-              <a:t> E. coli</a:t>
-            </a:r>
-            <a:endParaRPr lang="hr-HR" dirty="0"/>
-          </a:p>
-        </p:txBody>
-      </p:sp>
-      <p:pic>
-        <p:nvPicPr>
-          <p:cNvPr id="4" name="Content Placeholder 3">
-            <a:extLst>
-              <a:ext uri="{FF2B5EF4-FFF2-40B4-BE49-F238E27FC236}">
-                <a16:creationId xmlns:a16="http://schemas.microsoft.com/office/drawing/2014/main" id="{989DEBFF-AABF-47DC-B3FA-9DE2A05938D3}"/>
-              </a:ext>
-            </a:extLst>
-          </p:cNvPr>
-          <p:cNvPicPr>
-            <a:picLocks noGrp="1" noChangeAspect="1"/>
-          </p:cNvPicPr>
-          <p:nvPr>
-            <p:ph idx="1"/>
-          </p:nvPr>
-        </p:nvPicPr>
-        <p:blipFill>
-          <a:blip r:embed="rId2"/>
-          <a:stretch>
-            <a:fillRect/>
-          </a:stretch>
-        </p:blipFill>
-        <p:spPr>
-          <a:xfrm>
-            <a:off x="2288727" y="1296379"/>
-            <a:ext cx="4834884" cy="4952021"/>
-          </a:xfrm>
-          <a:prstGeom prst="rect">
-            <a:avLst/>
-          </a:prstGeom>
-        </p:spPr>
-      </p:pic>
-    </p:spTree>
-    <p:extLst>
-      <p:ext uri="{BB962C8B-B14F-4D97-AF65-F5344CB8AC3E}">
-        <p14:creationId xmlns:p14="http://schemas.microsoft.com/office/powerpoint/2010/main" val="3376771052"/>
       </p:ext>
     </p:extLst>
   </p:cSld>

--- a/docs/Poboljšanje djelomično sastavljenog genoma dugim očitanjima.pptx
+++ b/docs/Poboljšanje djelomično sastavljenog genoma dugim očitanjima.pptx
@@ -6327,7 +6327,7 @@
           </a:p>
           <a:p>
             <a:r>
-              <a:rPr lang="en-US"/>
+              <a:rPr lang="en-US" dirty="0" err="1"/>
               <a:t>Izgradnja</a:t>
             </a:r>
             <a:r>
